--- a/Презентация для курсовой по мобильным приложениям.pptx
+++ b/Презентация для курсовой по мобильным приложениям.pptx
@@ -323,7 +323,7 @@
             <a:fld id="{1D8BD707-D9CF-40AE-B4C6-C98DA3205C09}" type="datetimeFigureOut">
               <a:rPr lang="en-US" smtClean="0"/>
               <a:pPr/>
-              <a:t>12/21/2024</a:t>
+              <a:t>12/22/2024</a:t>
             </a:fld>
             <a:endParaRPr lang="en-US"/>
           </a:p>
@@ -488,7 +488,7 @@
             <a:fld id="{1D8BD707-D9CF-40AE-B4C6-C98DA3205C09}" type="datetimeFigureOut">
               <a:rPr lang="en-US" smtClean="0"/>
               <a:pPr/>
-              <a:t>12/21/2024</a:t>
+              <a:t>12/22/2024</a:t>
             </a:fld>
             <a:endParaRPr lang="en-US"/>
           </a:p>
@@ -663,7 +663,7 @@
             <a:fld id="{1D8BD707-D9CF-40AE-B4C6-C98DA3205C09}" type="datetimeFigureOut">
               <a:rPr lang="en-US" smtClean="0"/>
               <a:pPr/>
-              <a:t>12/21/2024</a:t>
+              <a:t>12/22/2024</a:t>
             </a:fld>
             <a:endParaRPr lang="en-US"/>
           </a:p>
@@ -828,7 +828,7 @@
             <a:fld id="{1D8BD707-D9CF-40AE-B4C6-C98DA3205C09}" type="datetimeFigureOut">
               <a:rPr lang="en-US" smtClean="0"/>
               <a:pPr/>
-              <a:t>12/21/2024</a:t>
+              <a:t>12/22/2024</a:t>
             </a:fld>
             <a:endParaRPr lang="en-US"/>
           </a:p>
@@ -1070,7 +1070,7 @@
             <a:fld id="{1D8BD707-D9CF-40AE-B4C6-C98DA3205C09}" type="datetimeFigureOut">
               <a:rPr lang="en-US" smtClean="0"/>
               <a:pPr/>
-              <a:t>12/21/2024</a:t>
+              <a:t>12/22/2024</a:t>
             </a:fld>
             <a:endParaRPr lang="en-US"/>
           </a:p>
@@ -1352,7 +1352,7 @@
             <a:fld id="{1D8BD707-D9CF-40AE-B4C6-C98DA3205C09}" type="datetimeFigureOut">
               <a:rPr lang="en-US" smtClean="0"/>
               <a:pPr/>
-              <a:t>12/21/2024</a:t>
+              <a:t>12/22/2024</a:t>
             </a:fld>
             <a:endParaRPr lang="en-US"/>
           </a:p>
@@ -1768,7 +1768,7 @@
             <a:fld id="{1D8BD707-D9CF-40AE-B4C6-C98DA3205C09}" type="datetimeFigureOut">
               <a:rPr lang="en-US" smtClean="0"/>
               <a:pPr/>
-              <a:t>12/21/2024</a:t>
+              <a:t>12/22/2024</a:t>
             </a:fld>
             <a:endParaRPr lang="en-US"/>
           </a:p>
@@ -1882,7 +1882,7 @@
             <a:fld id="{1D8BD707-D9CF-40AE-B4C6-C98DA3205C09}" type="datetimeFigureOut">
               <a:rPr lang="en-US" smtClean="0"/>
               <a:pPr/>
-              <a:t>12/21/2024</a:t>
+              <a:t>12/22/2024</a:t>
             </a:fld>
             <a:endParaRPr lang="en-US"/>
           </a:p>
@@ -1974,7 +1974,7 @@
             <a:fld id="{1D8BD707-D9CF-40AE-B4C6-C98DA3205C09}" type="datetimeFigureOut">
               <a:rPr lang="en-US" smtClean="0"/>
               <a:pPr/>
-              <a:t>12/21/2024</a:t>
+              <a:t>12/22/2024</a:t>
             </a:fld>
             <a:endParaRPr lang="en-US"/>
           </a:p>
@@ -2246,7 +2246,7 @@
             <a:fld id="{1D8BD707-D9CF-40AE-B4C6-C98DA3205C09}" type="datetimeFigureOut">
               <a:rPr lang="en-US" smtClean="0"/>
               <a:pPr/>
-              <a:t>12/21/2024</a:t>
+              <a:t>12/22/2024</a:t>
             </a:fld>
             <a:endParaRPr lang="en-US"/>
           </a:p>
@@ -2495,7 +2495,7 @@
             <a:fld id="{1D8BD707-D9CF-40AE-B4C6-C98DA3205C09}" type="datetimeFigureOut">
               <a:rPr lang="en-US" smtClean="0"/>
               <a:pPr/>
-              <a:t>12/21/2024</a:t>
+              <a:t>12/22/2024</a:t>
             </a:fld>
             <a:endParaRPr lang="en-US"/>
           </a:p>
@@ -2703,7 +2703,7 @@
             <a:fld id="{1D8BD707-D9CF-40AE-B4C6-C98DA3205C09}" type="datetimeFigureOut">
               <a:rPr lang="en-US" smtClean="0"/>
               <a:pPr/>
-              <a:t>12/21/2024</a:t>
+              <a:t>12/22/2024</a:t>
             </a:fld>
             <a:endParaRPr lang="en-US"/>
           </a:p>
@@ -5695,7 +5695,7 @@
         </p:nvSpPr>
         <p:spPr>
           <a:xfrm>
-            <a:off x="2341223" y="1333500"/>
+            <a:off x="1143000" y="1257300"/>
             <a:ext cx="6247254" cy="1077154"/>
           </a:xfrm>
           <a:prstGeom prst="rect">
@@ -5751,8 +5751,8 @@
         </p:nvSpPr>
         <p:spPr>
           <a:xfrm>
-            <a:off x="8610600" y="6134100"/>
-            <a:ext cx="9497437" cy="2708434"/>
+            <a:off x="7924800" y="2793406"/>
+            <a:ext cx="9497437" cy="2862322"/>
           </a:xfrm>
           <a:prstGeom prst="rect">
             <a:avLst/>
@@ -5766,7 +5766,7 @@
           <a:lstStyle/>
           <a:p>
             <a:r>
-              <a:rPr lang="ru-RU" sz="3400" dirty="0">
+              <a:rPr lang="ru-RU" sz="3600" dirty="0">
                 <a:latin typeface="Times New Roman" panose="02020603050405020304" pitchFamily="18" charset="0"/>
                 <a:cs typeface="Times New Roman" panose="02020603050405020304" pitchFamily="18" charset="0"/>
               </a:rPr>
@@ -5789,8 +5789,8 @@
         </p:nvSpPr>
         <p:spPr>
           <a:xfrm>
-            <a:off x="122903" y="2721431"/>
-            <a:ext cx="10998200" cy="2708434"/>
+            <a:off x="1676400" y="2767596"/>
+            <a:ext cx="4906297" cy="6740307"/>
           </a:xfrm>
           <a:prstGeom prst="rect">
             <a:avLst/>
@@ -5805,7 +5805,7 @@
           <a:p>
             <a:pPr algn="ctr"/>
             <a:r>
-              <a:rPr lang="ru-RU" sz="3400" dirty="0">
+              <a:rPr lang="ru-RU" sz="3600" dirty="0">
                 <a:latin typeface="Times New Roman" panose="02020603050405020304" pitchFamily="18" charset="0"/>
                 <a:cs typeface="Times New Roman" panose="02020603050405020304" pitchFamily="18" charset="0"/>
               </a:rPr>
@@ -5900,7 +5900,7 @@
         <p:spPr>
           <a:xfrm>
             <a:off x="685800" y="3489463"/>
-            <a:ext cx="16306800" cy="2554545"/>
+            <a:ext cx="16306800" cy="4524315"/>
           </a:xfrm>
           <a:prstGeom prst="rect">
             <a:avLst/>
@@ -5918,53 +5918,26 @@
               <a:buChar char="•"/>
             </a:pPr>
             <a:r>
-              <a:rPr lang="ru-RU" sz="3200" dirty="0">
+              <a:rPr lang="ru-RU" sz="3600" dirty="0">
                 <a:latin typeface="Times New Roman" panose="02020603050405020304" pitchFamily="18" charset="0"/>
                 <a:cs typeface="Times New Roman" panose="02020603050405020304" pitchFamily="18" charset="0"/>
               </a:rPr>
               <a:t>В данной курсовой работе поставлена задача создания музыкального сервиса.</a:t>
             </a:r>
+            <a:endParaRPr lang="en-US" sz="3600" dirty="0">
+              <a:latin typeface="Times New Roman" panose="02020603050405020304" pitchFamily="18" charset="0"/>
+              <a:cs typeface="Times New Roman" panose="02020603050405020304" pitchFamily="18" charset="0"/>
+            </a:endParaRPr>
           </a:p>
           <a:p>
             <a:pPr marL="457200" indent="-457200">
               <a:buFont typeface="Arial" panose="020B0604020202020204" pitchFamily="34" charset="0"/>
               <a:buChar char="•"/>
             </a:pPr>
-            <a:r>
-              <a:rPr lang="ru-RU" sz="3200" dirty="0">
-                <a:latin typeface="Times New Roman" panose="02020603050405020304" pitchFamily="18" charset="0"/>
-                <a:cs typeface="Times New Roman" panose="02020603050405020304" pitchFamily="18" charset="0"/>
-              </a:rPr>
-              <a:t>Для разработки такой системы необходимы </a:t>
-            </a:r>
-            <a:r>
-              <a:rPr lang="ru-RU" sz="3200" dirty="0" err="1">
-                <a:latin typeface="Times New Roman" panose="02020603050405020304" pitchFamily="18" charset="0"/>
-                <a:cs typeface="Times New Roman" panose="02020603050405020304" pitchFamily="18" charset="0"/>
-              </a:rPr>
-              <a:t>бекенд</a:t>
-            </a:r>
-            <a:r>
-              <a:rPr lang="ru-RU" sz="3200" dirty="0">
-                <a:latin typeface="Times New Roman" panose="02020603050405020304" pitchFamily="18" charset="0"/>
-                <a:cs typeface="Times New Roman" panose="02020603050405020304" pitchFamily="18" charset="0"/>
-              </a:rPr>
-              <a:t>, который взаимодействует с базой данных и среда разработки для создания интерфейса и функций по работе с </a:t>
-            </a:r>
-            <a:r>
-              <a:rPr lang="en-US" sz="3200" dirty="0">
-                <a:latin typeface="Times New Roman" panose="02020603050405020304" pitchFamily="18" charset="0"/>
-                <a:cs typeface="Times New Roman" panose="02020603050405020304" pitchFamily="18" charset="0"/>
-              </a:rPr>
-              <a:t>Rest API</a:t>
-            </a:r>
-            <a:r>
-              <a:rPr lang="ru-RU" sz="3200" dirty="0">
-                <a:latin typeface="Times New Roman" panose="02020603050405020304" pitchFamily="18" charset="0"/>
-                <a:cs typeface="Times New Roman" panose="02020603050405020304" pitchFamily="18" charset="0"/>
-              </a:rPr>
-              <a:t>. </a:t>
-            </a:r>
+            <a:endParaRPr lang="ru-RU" sz="3600" dirty="0">
+              <a:latin typeface="Times New Roman" panose="02020603050405020304" pitchFamily="18" charset="0"/>
+              <a:cs typeface="Times New Roman" panose="02020603050405020304" pitchFamily="18" charset="0"/>
+            </a:endParaRPr>
           </a:p>
           <a:p>
             <a:pPr marL="457200" indent="-457200">
@@ -5972,7 +5945,62 @@
               <a:buChar char="•"/>
             </a:pPr>
             <a:r>
-              <a:rPr lang="ru-RU" sz="3200" dirty="0">
+              <a:rPr lang="ru-RU" sz="3600" dirty="0">
+                <a:latin typeface="Times New Roman" panose="02020603050405020304" pitchFamily="18" charset="0"/>
+                <a:cs typeface="Times New Roman" panose="02020603050405020304" pitchFamily="18" charset="0"/>
+              </a:rPr>
+              <a:t>Для разработки такой системы необходимы </a:t>
+            </a:r>
+            <a:r>
+              <a:rPr lang="ru-RU" sz="3600" dirty="0" err="1">
+                <a:latin typeface="Times New Roman" panose="02020603050405020304" pitchFamily="18" charset="0"/>
+                <a:cs typeface="Times New Roman" panose="02020603050405020304" pitchFamily="18" charset="0"/>
+              </a:rPr>
+              <a:t>бекенд</a:t>
+            </a:r>
+            <a:r>
+              <a:rPr lang="ru-RU" sz="3600" dirty="0">
+                <a:latin typeface="Times New Roman" panose="02020603050405020304" pitchFamily="18" charset="0"/>
+                <a:cs typeface="Times New Roman" panose="02020603050405020304" pitchFamily="18" charset="0"/>
+              </a:rPr>
+              <a:t>, который взаимодействует с базой данных и среда разработки для создания интерфейса и функций по работе с </a:t>
+            </a:r>
+            <a:r>
+              <a:rPr lang="en-US" sz="3600" dirty="0">
+                <a:latin typeface="Times New Roman" panose="02020603050405020304" pitchFamily="18" charset="0"/>
+                <a:cs typeface="Times New Roman" panose="02020603050405020304" pitchFamily="18" charset="0"/>
+              </a:rPr>
+              <a:t>Rest API</a:t>
+            </a:r>
+            <a:r>
+              <a:rPr lang="ru-RU" sz="3600" dirty="0">
+                <a:latin typeface="Times New Roman" panose="02020603050405020304" pitchFamily="18" charset="0"/>
+                <a:cs typeface="Times New Roman" panose="02020603050405020304" pitchFamily="18" charset="0"/>
+              </a:rPr>
+              <a:t>. </a:t>
+            </a:r>
+            <a:endParaRPr lang="en-US" sz="3600" dirty="0">
+              <a:latin typeface="Times New Roman" panose="02020603050405020304" pitchFamily="18" charset="0"/>
+              <a:cs typeface="Times New Roman" panose="02020603050405020304" pitchFamily="18" charset="0"/>
+            </a:endParaRPr>
+          </a:p>
+          <a:p>
+            <a:pPr marL="457200" indent="-457200">
+              <a:buFont typeface="Arial" panose="020B0604020202020204" pitchFamily="34" charset="0"/>
+              <a:buChar char="•"/>
+            </a:pPr>
+            <a:endParaRPr lang="ru-RU" sz="3600" dirty="0">
+              <a:latin typeface="Times New Roman" panose="02020603050405020304" pitchFamily="18" charset="0"/>
+              <a:cs typeface="Times New Roman" panose="02020603050405020304" pitchFamily="18" charset="0"/>
+            </a:endParaRPr>
+          </a:p>
+          <a:p>
+            <a:pPr marL="457200" indent="-457200">
+              <a:buFont typeface="Arial" panose="020B0604020202020204" pitchFamily="34" charset="0"/>
+              <a:buChar char="•"/>
+            </a:pPr>
+            <a:r>
+              <a:rPr lang="ru-RU" sz="3600" dirty="0">
                 <a:latin typeface="Times New Roman" panose="02020603050405020304" pitchFamily="18" charset="0"/>
                 <a:cs typeface="Times New Roman" panose="02020603050405020304" pitchFamily="18" charset="0"/>
               </a:rPr>
